--- a/База данных.pptx
+++ b/База данных.pptx
@@ -5,7 +5,7 @@
     <p:sldMasterId id="2147483686" r:id="rId1"/>
   </p:sldMasterIdLst>
   <p:notesMasterIdLst>
-    <p:notesMasterId r:id="rId17"/>
+    <p:notesMasterId r:id="rId16"/>
   </p:notesMasterIdLst>
   <p:sldIdLst>
     <p:sldId id="256" r:id="rId2"/>
@@ -19,10 +19,9 @@
     <p:sldId id="262" r:id="rId10"/>
     <p:sldId id="263" r:id="rId11"/>
     <p:sldId id="264" r:id="rId12"/>
-    <p:sldId id="265" r:id="rId13"/>
-    <p:sldId id="266" r:id="rId14"/>
-    <p:sldId id="267" r:id="rId15"/>
-    <p:sldId id="271" r:id="rId16"/>
+    <p:sldId id="266" r:id="rId13"/>
+    <p:sldId id="267" r:id="rId14"/>
+    <p:sldId id="271" r:id="rId15"/>
   </p:sldIdLst>
   <p:sldSz cx="12192000" cy="6858000"/>
   <p:notesSz cx="6858000" cy="9144000"/>
@@ -211,7 +210,7 @@
           <a:p>
             <a:fld id="{DE59F021-4311-457C-855E-B536AACA22F1}" type="datetimeFigureOut">
               <a:rPr lang="ru-RU" smtClean="0"/>
-              <a:t>29.01.2021</a:t>
+              <a:t>05.02.2021</a:t>
             </a:fld>
             <a:endParaRPr lang="ru-RU"/>
           </a:p>
@@ -629,7 +628,7 @@
           <a:p>
             <a:fld id="{2F3E8B1C-86EF-43CF-8304-249481088644}" type="datetimeFigureOut">
               <a:rPr lang="en-US" smtClean="0"/>
-              <a:t>1/29/2021</a:t>
+              <a:t>2/5/2021</a:t>
             </a:fld>
             <a:endParaRPr lang="en-US"/>
           </a:p>
@@ -827,7 +826,7 @@
           <a:p>
             <a:fld id="{2F3E8B1C-86EF-43CF-8304-249481088644}" type="datetimeFigureOut">
               <a:rPr lang="en-US" smtClean="0"/>
-              <a:t>1/29/2021</a:t>
+              <a:t>2/5/2021</a:t>
             </a:fld>
             <a:endParaRPr lang="en-US"/>
           </a:p>
@@ -1035,7 +1034,7 @@
           <a:p>
             <a:fld id="{2F3E8B1C-86EF-43CF-8304-249481088644}" type="datetimeFigureOut">
               <a:rPr lang="en-US" smtClean="0"/>
-              <a:t>1/29/2021</a:t>
+              <a:t>2/5/2021</a:t>
             </a:fld>
             <a:endParaRPr lang="en-US"/>
           </a:p>
@@ -1233,7 +1232,7 @@
           <a:p>
             <a:fld id="{2F3E8B1C-86EF-43CF-8304-249481088644}" type="datetimeFigureOut">
               <a:rPr lang="en-US" smtClean="0"/>
-              <a:t>1/29/2021</a:t>
+              <a:t>2/5/2021</a:t>
             </a:fld>
             <a:endParaRPr lang="en-US"/>
           </a:p>
@@ -1508,7 +1507,7 @@
           <a:p>
             <a:fld id="{2F3E8B1C-86EF-43CF-8304-249481088644}" type="datetimeFigureOut">
               <a:rPr lang="en-US" smtClean="0"/>
-              <a:t>1/29/2021</a:t>
+              <a:t>2/5/2021</a:t>
             </a:fld>
             <a:endParaRPr lang="en-US"/>
           </a:p>
@@ -1778,7 +1777,7 @@
           <a:p>
             <a:fld id="{2F3E8B1C-86EF-43CF-8304-249481088644}" type="datetimeFigureOut">
               <a:rPr lang="en-US" smtClean="0"/>
-              <a:t>1/29/2021</a:t>
+              <a:t>2/5/2021</a:t>
             </a:fld>
             <a:endParaRPr lang="en-US"/>
           </a:p>
@@ -2198,7 +2197,7 @@
           <a:p>
             <a:fld id="{2F3E8B1C-86EF-43CF-8304-249481088644}" type="datetimeFigureOut">
               <a:rPr lang="en-US" smtClean="0"/>
-              <a:t>1/29/2021</a:t>
+              <a:t>2/5/2021</a:t>
             </a:fld>
             <a:endParaRPr lang="en-US"/>
           </a:p>
@@ -2339,7 +2338,7 @@
           <a:p>
             <a:fld id="{2F3E8B1C-86EF-43CF-8304-249481088644}" type="datetimeFigureOut">
               <a:rPr lang="en-US" smtClean="0"/>
-              <a:t>1/29/2021</a:t>
+              <a:t>2/5/2021</a:t>
             </a:fld>
             <a:endParaRPr lang="en-US"/>
           </a:p>
@@ -2452,7 +2451,7 @@
           <a:p>
             <a:fld id="{2F3E8B1C-86EF-43CF-8304-249481088644}" type="datetimeFigureOut">
               <a:rPr lang="en-US" smtClean="0"/>
-              <a:t>1/29/2021</a:t>
+              <a:t>2/5/2021</a:t>
             </a:fld>
             <a:endParaRPr lang="en-US"/>
           </a:p>
@@ -2763,7 +2762,7 @@
           <a:p>
             <a:fld id="{2F3E8B1C-86EF-43CF-8304-249481088644}" type="datetimeFigureOut">
               <a:rPr lang="en-US" smtClean="0"/>
-              <a:t>1/29/2021</a:t>
+              <a:t>2/5/2021</a:t>
             </a:fld>
             <a:endParaRPr lang="en-US"/>
           </a:p>
@@ -3051,7 +3050,7 @@
           <a:p>
             <a:fld id="{2F3E8B1C-86EF-43CF-8304-249481088644}" type="datetimeFigureOut">
               <a:rPr lang="en-US" smtClean="0"/>
-              <a:t>1/29/2021</a:t>
+              <a:t>2/5/2021</a:t>
             </a:fld>
             <a:endParaRPr lang="en-US"/>
           </a:p>
@@ -3292,7 +3291,7 @@
             <a:fld id="{2F3E8B1C-86EF-43CF-8304-249481088644}" type="datetimeFigureOut">
               <a:rPr lang="en-US" smtClean="0"/>
               <a:pPr/>
-              <a:t>1/29/2021</a:t>
+              <a:t>2/5/2021</a:t>
             </a:fld>
             <a:endParaRPr lang="en-US" dirty="0"/>
           </a:p>
@@ -3906,8 +3905,8 @@
           <a:lstStyle/>
           <a:p>
             <a:r>
-              <a:rPr lang="ru-RU" dirty="0"/>
-              <a:t>База данных</a:t>
+              <a:rPr lang="ru-RU" dirty="0" err="1"/>
+              <a:t>пРОГРАММА</a:t>
             </a:r>
             <a:br>
               <a:rPr lang="ru-RU" dirty="0"/>
@@ -4622,189 +4621,6 @@
             <p:ph type="title"/>
           </p:nvPr>
         </p:nvSpPr>
-        <p:spPr/>
-        <p:txBody>
-          <a:bodyPr/>
-          <a:lstStyle/>
-          <a:p>
-            <a:r>
-              <a:rPr lang="ru-RU" dirty="0"/>
-              <a:t>Физическая модель</a:t>
-            </a:r>
-          </a:p>
-        </p:txBody>
-      </p:sp>
-      <p:sp>
-        <p:nvSpPr>
-          <p:cNvPr id="5" name="Прямоугольник 4">
-            <a:extLst>
-              <a:ext uri="{FF2B5EF4-FFF2-40B4-BE49-F238E27FC236}">
-                <a16:creationId xmlns:a16="http://schemas.microsoft.com/office/drawing/2014/main" id="{052B7559-98D7-4996-83C1-352B23B904B1}"/>
-              </a:ext>
-            </a:extLst>
-          </p:cNvPr>
-          <p:cNvSpPr/>
-          <p:nvPr/>
-        </p:nvSpPr>
-        <p:spPr>
-          <a:xfrm>
-            <a:off x="755009" y="5830349"/>
-            <a:ext cx="10888910" cy="612396"/>
-          </a:xfrm>
-          <a:prstGeom prst="rect">
-            <a:avLst/>
-          </a:prstGeom>
-          <a:solidFill>
-            <a:schemeClr val="bg1"/>
-          </a:solidFill>
-          <a:ln>
-            <a:solidFill>
-              <a:schemeClr val="bg1"/>
-            </a:solidFill>
-          </a:ln>
-        </p:spPr>
-        <p:style>
-          <a:lnRef idx="2">
-            <a:schemeClr val="accent1">
-              <a:shade val="50000"/>
-            </a:schemeClr>
-          </a:lnRef>
-          <a:fillRef idx="1">
-            <a:schemeClr val="accent1"/>
-          </a:fillRef>
-          <a:effectRef idx="0">
-            <a:schemeClr val="accent1"/>
-          </a:effectRef>
-          <a:fontRef idx="minor">
-            <a:schemeClr val="lt1"/>
-          </a:fontRef>
-        </p:style>
-        <p:txBody>
-          <a:bodyPr rtlCol="0" anchor="ctr"/>
-          <a:lstStyle/>
-          <a:p>
-            <a:pPr algn="ctr"/>
-            <a:endParaRPr lang="ru-RU"/>
-          </a:p>
-        </p:txBody>
-      </p:sp>
-      <p:pic>
-        <p:nvPicPr>
-          <p:cNvPr id="4" name="Объект 3">
-            <a:extLst>
-              <a:ext uri="{FF2B5EF4-FFF2-40B4-BE49-F238E27FC236}">
-                <a16:creationId xmlns:a16="http://schemas.microsoft.com/office/drawing/2014/main" id="{62A23BB9-0DCC-4B08-AA07-D7175CE82394}"/>
-              </a:ext>
-            </a:extLst>
-          </p:cNvPr>
-          <p:cNvPicPr>
-            <a:picLocks noGrp="1"/>
-          </p:cNvPicPr>
-          <p:nvPr>
-            <p:ph idx="1"/>
-          </p:nvPr>
-        </p:nvPicPr>
-        <p:blipFill>
-          <a:blip r:embed="rId2"/>
-          <a:stretch>
-            <a:fillRect/>
-          </a:stretch>
-        </p:blipFill>
-        <p:spPr>
-          <a:xfrm>
-            <a:off x="853831" y="1659370"/>
-            <a:ext cx="10446140" cy="4783375"/>
-          </a:xfrm>
-          <a:prstGeom prst="rect">
-            <a:avLst/>
-          </a:prstGeom>
-        </p:spPr>
-      </p:pic>
-      <p:pic>
-        <p:nvPicPr>
-          <p:cNvPr id="6" name="Рисунок 5" descr="База данных">
-            <a:extLst>
-              <a:ext uri="{FF2B5EF4-FFF2-40B4-BE49-F238E27FC236}">
-                <a16:creationId xmlns:a16="http://schemas.microsoft.com/office/drawing/2014/main" id="{F504B1B2-08CB-43C8-9F9D-5EF31AD6861C}"/>
-              </a:ext>
-            </a:extLst>
-          </p:cNvPr>
-          <p:cNvPicPr>
-            <a:picLocks noChangeAspect="1"/>
-          </p:cNvPicPr>
-          <p:nvPr/>
-        </p:nvPicPr>
-        <p:blipFill>
-          <a:blip r:embed="rId3">
-            <a:extLst>
-              <a:ext uri="{28A0092B-C50C-407E-A947-70E740481C1C}">
-                <a14:useLocalDpi xmlns:a14="http://schemas.microsoft.com/office/drawing/2010/main" val="0"/>
-              </a:ext>
-              <a:ext uri="{96DAC541-7B7A-43D3-8B79-37D633B846F1}">
-                <asvg:svgBlip xmlns:asvg="http://schemas.microsoft.com/office/drawing/2016/SVG/main" r:embed="rId4"/>
-              </a:ext>
-            </a:extLst>
-          </a:blip>
-          <a:stretch>
-            <a:fillRect/>
-          </a:stretch>
-        </p:blipFill>
-        <p:spPr>
-          <a:xfrm>
-            <a:off x="11277600" y="-10486"/>
-            <a:ext cx="914400" cy="914400"/>
-          </a:xfrm>
-          <a:prstGeom prst="rect">
-            <a:avLst/>
-          </a:prstGeom>
-        </p:spPr>
-      </p:pic>
-    </p:spTree>
-    <p:extLst>
-      <p:ext uri="{BB962C8B-B14F-4D97-AF65-F5344CB8AC3E}">
-        <p14:creationId xmlns:p14="http://schemas.microsoft.com/office/powerpoint/2010/main" val="3891404046"/>
-      </p:ext>
-    </p:extLst>
-  </p:cSld>
-  <p:clrMapOvr>
-    <a:masterClrMapping/>
-  </p:clrMapOvr>
-</p:sld>
-</file>
-
-<file path=ppt/slides/slide13.xml><?xml version="1.0" encoding="utf-8"?>
-<p:sld xmlns:a="http://schemas.openxmlformats.org/drawingml/2006/main" xmlns:r="http://schemas.openxmlformats.org/officeDocument/2006/relationships" xmlns:p="http://schemas.openxmlformats.org/presentationml/2006/main">
-  <p:cSld>
-    <p:spTree>
-      <p:nvGrpSpPr>
-        <p:cNvPr id="1" name=""/>
-        <p:cNvGrpSpPr/>
-        <p:nvPr/>
-      </p:nvGrpSpPr>
-      <p:grpSpPr>
-        <a:xfrm>
-          <a:off x="0" y="0"/>
-          <a:ext cx="0" cy="0"/>
-          <a:chOff x="0" y="0"/>
-          <a:chExt cx="0" cy="0"/>
-        </a:xfrm>
-      </p:grpSpPr>
-      <p:sp>
-        <p:nvSpPr>
-          <p:cNvPr id="2" name="Заголовок 1">
-            <a:extLst>
-              <a:ext uri="{FF2B5EF4-FFF2-40B4-BE49-F238E27FC236}">
-                <a16:creationId xmlns:a16="http://schemas.microsoft.com/office/drawing/2014/main" id="{5A1E27E6-EADA-4953-99FE-5469C89F2AC2}"/>
-              </a:ext>
-            </a:extLst>
-          </p:cNvPr>
-          <p:cNvSpPr>
-            <a:spLocks noGrp="1"/>
-          </p:cNvSpPr>
-          <p:nvPr>
-            <p:ph type="title"/>
-          </p:nvPr>
-        </p:nvSpPr>
         <p:spPr>
           <a:xfrm>
             <a:off x="700635" y="922097"/>
@@ -4940,7 +4756,7 @@
 </p:sld>
 </file>
 
-<file path=ppt/slides/slide14.xml><?xml version="1.0" encoding="utf-8"?>
+<file path=ppt/slides/slide13.xml><?xml version="1.0" encoding="utf-8"?>
 <p:sld xmlns:a="http://schemas.openxmlformats.org/drawingml/2006/main" xmlns:r="http://schemas.openxmlformats.org/officeDocument/2006/relationships" xmlns:p="http://schemas.openxmlformats.org/presentationml/2006/main">
   <p:cSld>
     <p:spTree>
@@ -5181,7 +4997,7 @@
             <a:pPr algn="just"/>
             <a:r>
               <a:rPr lang="ru-RU" dirty="0"/>
-              <a:t>На данной модели мы можем видеть, как пользователь делает запрос в компьютере. Компьютер запрашивает информацию у контроллера. Контроллер обращается в модель и возвращает. Модель передаёт запрос в БД, которая после обработки возвращает ответ в модель. Модель передаёт информацию в контроллер. Контроллер в свою очередь в шаблон, который в конце видит пользователь.</a:t>
+              <a:t>На данной модели мы можем видеть, как пользователь делает запрос в компьютере. Компьютер запрашивает информацию у контроллера. Контроллер обращается в модель и возвращает ответ. Модель передаёт запрос в БД, которая после обработки возвращает ответ в модель. Модель передаёт информацию в контроллер. Контроллер в свою очередь в шаблон, который в конце видит пользователь.</a:t>
             </a:r>
           </a:p>
         </p:txBody>
@@ -5268,7 +5084,7 @@
 </p:sld>
 </file>
 
-<file path=ppt/slides/slide15.xml><?xml version="1.0" encoding="utf-8"?>
+<file path=ppt/slides/slide14.xml><?xml version="1.0" encoding="utf-8"?>
 <p:sld xmlns:a="http://schemas.openxmlformats.org/drawingml/2006/main" xmlns:r="http://schemas.openxmlformats.org/officeDocument/2006/relationships" xmlns:p="http://schemas.openxmlformats.org/presentationml/2006/main">
   <p:cSld>
     <p:spTree>
@@ -5347,7 +5163,7 @@
           <a:lstStyle/>
           <a:p>
             <a:r>
-              <a:rPr lang="en-US"/>
+              <a:rPr lang="en-US" dirty="0"/>
               <a:t>https://github.com/Illya8800/Airport.git</a:t>
             </a:r>
             <a:endParaRPr lang="ru-RU" dirty="0"/>
@@ -5490,6 +5306,7 @@
               <a:rPr lang="ru-RU" dirty="0"/>
               <a:t>Основные идеи современной информационной технологии базируются на концепции, согласно которой данные должны быть организованы в базы данных с целью адекватного отображения изменяющегося реального мира и удовлетворения информационных потребностей пользователей. Эти базы данных создаются и функционируют под управлением специальных программных комплексов, называемых системами управления базами данных (СУБД).</a:t>
             </a:r>
+            <a:endParaRPr lang="en-US" dirty="0"/>
           </a:p>
           <a:p>
             <a:pPr algn="just"/>
@@ -5626,14 +5443,30 @@
             <a:pPr algn="just"/>
             <a:r>
               <a:rPr lang="ru-RU" dirty="0"/>
-              <a:t>Я считаю, что главная задача БД (для разработчика) – иметь простой и оптимальный вид, в котором легко можно разобраться. Если в фирму пришёл новый человек, он должен полностью вникнуть в предметную область в течении одной недели. Если это заняло больше время – что-то сделано не так, либо конкретная БД имеет очень большие задачи.</a:t>
+              <a:t>Я считаю, что главная задача БД (для разработчика) – иметь простой и оптимальный вид</a:t>
+            </a:r>
+            <a:r>
+              <a:rPr lang="en-US" dirty="0"/>
+              <a:t> </a:t>
+            </a:r>
+            <a:r>
+              <a:rPr lang="ru-RU" dirty="0"/>
+              <a:t>и структуру, в которых  можно  легко разобраться. Если в фирму пришёл новый человек - он должен полностью вникнуть в предметную область в течении одной недели. Если это заняло больше время – что-то сделано не так, либо конкретная БД имеет очень большие задачи.</a:t>
             </a:r>
           </a:p>
           <a:p>
             <a:pPr algn="just"/>
             <a:r>
               <a:rPr lang="ru-RU" dirty="0"/>
-              <a:t>Для пользователя БД – есть два главных условия: приятный внешний вид, работоспособность.</a:t>
+              <a:t>Для пользователя БД – есть</a:t>
+            </a:r>
+            <a:r>
+              <a:rPr lang="en-US" dirty="0"/>
+              <a:t> </a:t>
+            </a:r>
+            <a:r>
+              <a:rPr lang="ru-RU" dirty="0"/>
+              <a:t>главное условие: работоспособность.</a:t>
             </a:r>
           </a:p>
         </p:txBody>
@@ -6010,15 +5843,7 @@
             </a:r>
             <a:r>
               <a:rPr lang="ru-RU" dirty="0"/>
-              <a:t>). Несколько перелетов могут включаться в билет в случаях, когда нет </a:t>
-            </a:r>
-            <a:r>
-              <a:rPr lang="ru-RU" dirty="0" err="1"/>
-              <a:t>нет</a:t>
-            </a:r>
-            <a:r>
-              <a:rPr lang="ru-RU" dirty="0"/>
-              <a:t> прямого рейса, соединяющего пункты отправления и назначения (полет с пересадками), либо когда билет взят «туда и обратно». В схеме данных нет жесткого ограничения, но предполагается, что все билеты в одном бронировании имеют одинаковый набор перелетов. </a:t>
+              <a:t>). Несколько перелетов могут включаться в билет в случаях, когда нет прямого рейса, соединяющего пункты отправления и назначения (полет с пересадками), либо когда билет взят «туда и обратно». В схеме данных нет жесткого ограничения, но предполагается, что все билеты в одном бронировании имеют одинаковый набор перелетов. </a:t>
             </a:r>
           </a:p>
         </p:txBody>
